--- a/Project/Mass Plot.pptx
+++ b/Project/Mass Plot.pptx
@@ -248,7 +248,7 @@
           <a:p>
             <a:fld id="{3ADCF8E9-0335-4A5C-A6A2-47D3716D371C}" type="datetimeFigureOut">
               <a:rPr lang="it-IT" smtClean="0"/>
-              <a:t>29/06/2021</a:t>
+              <a:t>17/07/2021</a:t>
             </a:fld>
             <a:endParaRPr lang="it-IT"/>
           </a:p>
@@ -418,7 +418,7 @@
           <a:p>
             <a:fld id="{3ADCF8E9-0335-4A5C-A6A2-47D3716D371C}" type="datetimeFigureOut">
               <a:rPr lang="it-IT" smtClean="0"/>
-              <a:t>29/06/2021</a:t>
+              <a:t>17/07/2021</a:t>
             </a:fld>
             <a:endParaRPr lang="it-IT"/>
           </a:p>
@@ -598,7 +598,7 @@
           <a:p>
             <a:fld id="{3ADCF8E9-0335-4A5C-A6A2-47D3716D371C}" type="datetimeFigureOut">
               <a:rPr lang="it-IT" smtClean="0"/>
-              <a:t>29/06/2021</a:t>
+              <a:t>17/07/2021</a:t>
             </a:fld>
             <a:endParaRPr lang="it-IT"/>
           </a:p>
@@ -768,7 +768,7 @@
           <a:p>
             <a:fld id="{3ADCF8E9-0335-4A5C-A6A2-47D3716D371C}" type="datetimeFigureOut">
               <a:rPr lang="it-IT" smtClean="0"/>
-              <a:t>29/06/2021</a:t>
+              <a:t>17/07/2021</a:t>
             </a:fld>
             <a:endParaRPr lang="it-IT"/>
           </a:p>
@@ -1014,7 +1014,7 @@
           <a:p>
             <a:fld id="{3ADCF8E9-0335-4A5C-A6A2-47D3716D371C}" type="datetimeFigureOut">
               <a:rPr lang="it-IT" smtClean="0"/>
-              <a:t>29/06/2021</a:t>
+              <a:t>17/07/2021</a:t>
             </a:fld>
             <a:endParaRPr lang="it-IT"/>
           </a:p>
@@ -1246,7 +1246,7 @@
           <a:p>
             <a:fld id="{3ADCF8E9-0335-4A5C-A6A2-47D3716D371C}" type="datetimeFigureOut">
               <a:rPr lang="it-IT" smtClean="0"/>
-              <a:t>29/06/2021</a:t>
+              <a:t>17/07/2021</a:t>
             </a:fld>
             <a:endParaRPr lang="it-IT"/>
           </a:p>
@@ -1613,7 +1613,7 @@
           <a:p>
             <a:fld id="{3ADCF8E9-0335-4A5C-A6A2-47D3716D371C}" type="datetimeFigureOut">
               <a:rPr lang="it-IT" smtClean="0"/>
-              <a:t>29/06/2021</a:t>
+              <a:t>17/07/2021</a:t>
             </a:fld>
             <a:endParaRPr lang="it-IT"/>
           </a:p>
@@ -1731,7 +1731,7 @@
           <a:p>
             <a:fld id="{3ADCF8E9-0335-4A5C-A6A2-47D3716D371C}" type="datetimeFigureOut">
               <a:rPr lang="it-IT" smtClean="0"/>
-              <a:t>29/06/2021</a:t>
+              <a:t>17/07/2021</a:t>
             </a:fld>
             <a:endParaRPr lang="it-IT"/>
           </a:p>
@@ -1826,7 +1826,7 @@
           <a:p>
             <a:fld id="{3ADCF8E9-0335-4A5C-A6A2-47D3716D371C}" type="datetimeFigureOut">
               <a:rPr lang="it-IT" smtClean="0"/>
-              <a:t>29/06/2021</a:t>
+              <a:t>17/07/2021</a:t>
             </a:fld>
             <a:endParaRPr lang="it-IT"/>
           </a:p>
@@ -2103,7 +2103,7 @@
           <a:p>
             <a:fld id="{3ADCF8E9-0335-4A5C-A6A2-47D3716D371C}" type="datetimeFigureOut">
               <a:rPr lang="it-IT" smtClean="0"/>
-              <a:t>29/06/2021</a:t>
+              <a:t>17/07/2021</a:t>
             </a:fld>
             <a:endParaRPr lang="it-IT"/>
           </a:p>
@@ -2356,7 +2356,7 @@
           <a:p>
             <a:fld id="{3ADCF8E9-0335-4A5C-A6A2-47D3716D371C}" type="datetimeFigureOut">
               <a:rPr lang="it-IT" smtClean="0"/>
-              <a:t>29/06/2021</a:t>
+              <a:t>17/07/2021</a:t>
             </a:fld>
             <a:endParaRPr lang="it-IT"/>
           </a:p>
@@ -2569,7 +2569,7 @@
           <a:p>
             <a:fld id="{3ADCF8E9-0335-4A5C-A6A2-47D3716D371C}" type="datetimeFigureOut">
               <a:rPr lang="it-IT" smtClean="0"/>
-              <a:t>29/06/2021</a:t>
+              <a:t>17/07/2021</a:t>
             </a:fld>
             <a:endParaRPr lang="it-IT"/>
           </a:p>
@@ -3542,7 +3542,7 @@
         </p:blipFill>
         <p:spPr>
           <a:xfrm>
-            <a:off x="6573981" y="3673617"/>
+            <a:off x="647700" y="3800474"/>
             <a:ext cx="5105400" cy="3057525"/>
           </a:xfrm>
           <a:prstGeom prst="rect">
@@ -3572,7 +3572,7 @@
         </p:blipFill>
         <p:spPr>
           <a:xfrm>
-            <a:off x="647700" y="3673618"/>
+            <a:off x="6605154" y="3800475"/>
             <a:ext cx="5105400" cy="3057525"/>
           </a:xfrm>
           <a:prstGeom prst="rect">
